--- a/building bi system in enterprise/New Microsoft PowerPoint Presentation.pptx
+++ b/building bi system in enterprise/New Microsoft PowerPoint Presentation.pptx
@@ -4,8 +4,12 @@
   <p:sldMasterIdLst>
     <p:sldMasterId id="2147483660" r:id="rId1"/>
   </p:sldMasterIdLst>
+  <p:notesMasterIdLst>
+    <p:notesMasterId r:id="rId4"/>
+  </p:notesMasterIdLst>
   <p:sldIdLst>
     <p:sldId id="256" r:id="rId2"/>
+    <p:sldId id="257" r:id="rId3"/>
   </p:sldIdLst>
   <p:sldSz cx="36576000" cy="6858000"/>
   <p:notesSz cx="6858000" cy="9144000"/>
@@ -104,7 +108,445 @@
       </a:defRPr>
     </a:lvl9pPr>
   </p:defaultTextStyle>
+  <p:extLst>
+    <p:ext uri="{EFAFB233-063F-42B5-8137-9DF3F51BA10A}">
+      <p15:sldGuideLst xmlns:p15="http://schemas.microsoft.com/office/powerpoint/2012/main"/>
+    </p:ext>
+  </p:extLst>
 </p:presentation>
+</file>
+
+<file path=ppt/notesMasters/notesMaster1.xml><?xml version="1.0" encoding="utf-8"?>
+<p:notesMaster xmlns:a="http://schemas.openxmlformats.org/drawingml/2006/main" xmlns:r="http://schemas.openxmlformats.org/officeDocument/2006/relationships" xmlns:p="http://schemas.openxmlformats.org/presentationml/2006/main">
+  <p:cSld>
+    <p:bg>
+      <p:bgRef idx="1001">
+        <a:schemeClr val="bg1"/>
+      </p:bgRef>
+    </p:bg>
+    <p:spTree>
+      <p:nvGrpSpPr>
+        <p:cNvPr id="1" name=""/>
+        <p:cNvGrpSpPr/>
+        <p:nvPr/>
+      </p:nvGrpSpPr>
+      <p:grpSpPr>
+        <a:xfrm>
+          <a:off x="0" y="0"/>
+          <a:ext cx="0" cy="0"/>
+          <a:chOff x="0" y="0"/>
+          <a:chExt cx="0" cy="0"/>
+        </a:xfrm>
+      </p:grpSpPr>
+      <p:sp>
+        <p:nvSpPr>
+          <p:cNvPr id="2" name="Header Placeholder 1"/>
+          <p:cNvSpPr>
+            <a:spLocks noGrp="1"/>
+          </p:cNvSpPr>
+          <p:nvPr>
+            <p:ph type="hdr" sz="quarter"/>
+          </p:nvPr>
+        </p:nvSpPr>
+        <p:spPr>
+          <a:xfrm>
+            <a:off x="0" y="0"/>
+            <a:ext cx="2971800" cy="458788"/>
+          </a:xfrm>
+          <a:prstGeom prst="rect">
+            <a:avLst/>
+          </a:prstGeom>
+        </p:spPr>
+        <p:txBody>
+          <a:bodyPr vert="horz" lIns="91440" tIns="45720" rIns="91440" bIns="45720" rtlCol="0"/>
+          <a:lstStyle>
+            <a:lvl1pPr algn="l">
+              <a:defRPr sz="1200"/>
+            </a:lvl1pPr>
+          </a:lstStyle>
+          <a:p>
+            <a:endParaRPr lang="en-US"/>
+          </a:p>
+        </p:txBody>
+      </p:sp>
+      <p:sp>
+        <p:nvSpPr>
+          <p:cNvPr id="3" name="Date Placeholder 2"/>
+          <p:cNvSpPr>
+            <a:spLocks noGrp="1"/>
+          </p:cNvSpPr>
+          <p:nvPr>
+            <p:ph type="dt" idx="1"/>
+          </p:nvPr>
+        </p:nvSpPr>
+        <p:spPr>
+          <a:xfrm>
+            <a:off x="3884613" y="0"/>
+            <a:ext cx="2971800" cy="458788"/>
+          </a:xfrm>
+          <a:prstGeom prst="rect">
+            <a:avLst/>
+          </a:prstGeom>
+        </p:spPr>
+        <p:txBody>
+          <a:bodyPr vert="horz" lIns="91440" tIns="45720" rIns="91440" bIns="45720" rtlCol="0"/>
+          <a:lstStyle>
+            <a:lvl1pPr algn="r">
+              <a:defRPr sz="1200"/>
+            </a:lvl1pPr>
+          </a:lstStyle>
+          <a:p>
+            <a:fld id="{1958434F-51D0-455B-983D-CB734256D965}" type="datetimeFigureOut">
+              <a:rPr lang="en-US" smtClean="0"/>
+              <a:t>8/25/2020</a:t>
+            </a:fld>
+            <a:endParaRPr lang="en-US"/>
+          </a:p>
+        </p:txBody>
+      </p:sp>
+      <p:sp>
+        <p:nvSpPr>
+          <p:cNvPr id="4" name="Slide Image Placeholder 3"/>
+          <p:cNvSpPr>
+            <a:spLocks noGrp="1" noRot="1" noChangeAspect="1"/>
+          </p:cNvSpPr>
+          <p:nvPr>
+            <p:ph type="sldImg" idx="2"/>
+          </p:nvPr>
+        </p:nvSpPr>
+        <p:spPr>
+          <a:xfrm>
+            <a:off x="-4800600" y="1143000"/>
+            <a:ext cx="16459200" cy="3086100"/>
+          </a:xfrm>
+          <a:prstGeom prst="rect">
+            <a:avLst/>
+          </a:prstGeom>
+          <a:noFill/>
+          <a:ln w="12700">
+            <a:solidFill>
+              <a:prstClr val="black"/>
+            </a:solidFill>
+          </a:ln>
+        </p:spPr>
+        <p:txBody>
+          <a:bodyPr vert="horz" lIns="91440" tIns="45720" rIns="91440" bIns="45720" rtlCol="0" anchor="ctr"/>
+          <a:lstStyle/>
+          <a:p>
+            <a:endParaRPr lang="en-US"/>
+          </a:p>
+        </p:txBody>
+      </p:sp>
+      <p:sp>
+        <p:nvSpPr>
+          <p:cNvPr id="5" name="Notes Placeholder 4"/>
+          <p:cNvSpPr>
+            <a:spLocks noGrp="1"/>
+          </p:cNvSpPr>
+          <p:nvPr>
+            <p:ph type="body" sz="quarter" idx="3"/>
+          </p:nvPr>
+        </p:nvSpPr>
+        <p:spPr>
+          <a:xfrm>
+            <a:off x="685800" y="4400550"/>
+            <a:ext cx="5486400" cy="3600450"/>
+          </a:xfrm>
+          <a:prstGeom prst="rect">
+            <a:avLst/>
+          </a:prstGeom>
+        </p:spPr>
+        <p:txBody>
+          <a:bodyPr vert="horz" lIns="91440" tIns="45720" rIns="91440" bIns="45720" rtlCol="0"/>
+          <a:lstStyle/>
+          <a:p>
+            <a:pPr lvl="0"/>
+            <a:r>
+              <a:rPr lang="en-US"/>
+              <a:t>Click to edit Master text styles</a:t>
+            </a:r>
+          </a:p>
+          <a:p>
+            <a:pPr lvl="1"/>
+            <a:r>
+              <a:rPr lang="en-US"/>
+              <a:t>Second level</a:t>
+            </a:r>
+          </a:p>
+          <a:p>
+            <a:pPr lvl="2"/>
+            <a:r>
+              <a:rPr lang="en-US"/>
+              <a:t>Third level</a:t>
+            </a:r>
+          </a:p>
+          <a:p>
+            <a:pPr lvl="3"/>
+            <a:r>
+              <a:rPr lang="en-US"/>
+              <a:t>Fourth level</a:t>
+            </a:r>
+          </a:p>
+          <a:p>
+            <a:pPr lvl="4"/>
+            <a:r>
+              <a:rPr lang="en-US"/>
+              <a:t>Fifth level</a:t>
+            </a:r>
+          </a:p>
+        </p:txBody>
+      </p:sp>
+      <p:sp>
+        <p:nvSpPr>
+          <p:cNvPr id="6" name="Footer Placeholder 5"/>
+          <p:cNvSpPr>
+            <a:spLocks noGrp="1"/>
+          </p:cNvSpPr>
+          <p:nvPr>
+            <p:ph type="ftr" sz="quarter" idx="4"/>
+          </p:nvPr>
+        </p:nvSpPr>
+        <p:spPr>
+          <a:xfrm>
+            <a:off x="0" y="8685213"/>
+            <a:ext cx="2971800" cy="458787"/>
+          </a:xfrm>
+          <a:prstGeom prst="rect">
+            <a:avLst/>
+          </a:prstGeom>
+        </p:spPr>
+        <p:txBody>
+          <a:bodyPr vert="horz" lIns="91440" tIns="45720" rIns="91440" bIns="45720" rtlCol="0" anchor="b"/>
+          <a:lstStyle>
+            <a:lvl1pPr algn="l">
+              <a:defRPr sz="1200"/>
+            </a:lvl1pPr>
+          </a:lstStyle>
+          <a:p>
+            <a:endParaRPr lang="en-US"/>
+          </a:p>
+        </p:txBody>
+      </p:sp>
+      <p:sp>
+        <p:nvSpPr>
+          <p:cNvPr id="7" name="Slide Number Placeholder 6"/>
+          <p:cNvSpPr>
+            <a:spLocks noGrp="1"/>
+          </p:cNvSpPr>
+          <p:nvPr>
+            <p:ph type="sldNum" sz="quarter" idx="5"/>
+          </p:nvPr>
+        </p:nvSpPr>
+        <p:spPr>
+          <a:xfrm>
+            <a:off x="3884613" y="8685213"/>
+            <a:ext cx="2971800" cy="458787"/>
+          </a:xfrm>
+          <a:prstGeom prst="rect">
+            <a:avLst/>
+          </a:prstGeom>
+        </p:spPr>
+        <p:txBody>
+          <a:bodyPr vert="horz" lIns="91440" tIns="45720" rIns="91440" bIns="45720" rtlCol="0" anchor="b"/>
+          <a:lstStyle>
+            <a:lvl1pPr algn="r">
+              <a:defRPr sz="1200"/>
+            </a:lvl1pPr>
+          </a:lstStyle>
+          <a:p>
+            <a:fld id="{4BF5558B-3D71-4C42-9B86-2655A54A532A}" type="slidenum">
+              <a:rPr lang="en-US" smtClean="0"/>
+              <a:t>‹#›</a:t>
+            </a:fld>
+            <a:endParaRPr lang="en-US"/>
+          </a:p>
+        </p:txBody>
+      </p:sp>
+    </p:spTree>
+    <p:extLst>
+      <p:ext uri="{BB962C8B-B14F-4D97-AF65-F5344CB8AC3E}">
+        <p14:creationId xmlns:p14="http://schemas.microsoft.com/office/powerpoint/2010/main" val="1863976510"/>
+      </p:ext>
+    </p:extLst>
+  </p:cSld>
+  <p:clrMap bg1="lt1" tx1="dk1" bg2="lt2" tx2="dk2" accent1="accent1" accent2="accent2" accent3="accent3" accent4="accent4" accent5="accent5" accent6="accent6" hlink="hlink" folHlink="folHlink"/>
+  <p:notesStyle>
+    <a:lvl1pPr marL="0" algn="l" defTabSz="914400" rtl="0" eaLnBrk="1" latinLnBrk="0" hangingPunct="1">
+      <a:defRPr sz="1200" kern="1200">
+        <a:solidFill>
+          <a:schemeClr val="tx1"/>
+        </a:solidFill>
+        <a:latin typeface="+mn-lt"/>
+        <a:ea typeface="+mn-ea"/>
+        <a:cs typeface="+mn-cs"/>
+      </a:defRPr>
+    </a:lvl1pPr>
+    <a:lvl2pPr marL="457200" algn="l" defTabSz="914400" rtl="0" eaLnBrk="1" latinLnBrk="0" hangingPunct="1">
+      <a:defRPr sz="1200" kern="1200">
+        <a:solidFill>
+          <a:schemeClr val="tx1"/>
+        </a:solidFill>
+        <a:latin typeface="+mn-lt"/>
+        <a:ea typeface="+mn-ea"/>
+        <a:cs typeface="+mn-cs"/>
+      </a:defRPr>
+    </a:lvl2pPr>
+    <a:lvl3pPr marL="914400" algn="l" defTabSz="914400" rtl="0" eaLnBrk="1" latinLnBrk="0" hangingPunct="1">
+      <a:defRPr sz="1200" kern="1200">
+        <a:solidFill>
+          <a:schemeClr val="tx1"/>
+        </a:solidFill>
+        <a:latin typeface="+mn-lt"/>
+        <a:ea typeface="+mn-ea"/>
+        <a:cs typeface="+mn-cs"/>
+      </a:defRPr>
+    </a:lvl3pPr>
+    <a:lvl4pPr marL="1371600" algn="l" defTabSz="914400" rtl="0" eaLnBrk="1" latinLnBrk="0" hangingPunct="1">
+      <a:defRPr sz="1200" kern="1200">
+        <a:solidFill>
+          <a:schemeClr val="tx1"/>
+        </a:solidFill>
+        <a:latin typeface="+mn-lt"/>
+        <a:ea typeface="+mn-ea"/>
+        <a:cs typeface="+mn-cs"/>
+      </a:defRPr>
+    </a:lvl4pPr>
+    <a:lvl5pPr marL="1828800" algn="l" defTabSz="914400" rtl="0" eaLnBrk="1" latinLnBrk="0" hangingPunct="1">
+      <a:defRPr sz="1200" kern="1200">
+        <a:solidFill>
+          <a:schemeClr val="tx1"/>
+        </a:solidFill>
+        <a:latin typeface="+mn-lt"/>
+        <a:ea typeface="+mn-ea"/>
+        <a:cs typeface="+mn-cs"/>
+      </a:defRPr>
+    </a:lvl5pPr>
+    <a:lvl6pPr marL="2286000" algn="l" defTabSz="914400" rtl="0" eaLnBrk="1" latinLnBrk="0" hangingPunct="1">
+      <a:defRPr sz="1200" kern="1200">
+        <a:solidFill>
+          <a:schemeClr val="tx1"/>
+        </a:solidFill>
+        <a:latin typeface="+mn-lt"/>
+        <a:ea typeface="+mn-ea"/>
+        <a:cs typeface="+mn-cs"/>
+      </a:defRPr>
+    </a:lvl6pPr>
+    <a:lvl7pPr marL="2743200" algn="l" defTabSz="914400" rtl="0" eaLnBrk="1" latinLnBrk="0" hangingPunct="1">
+      <a:defRPr sz="1200" kern="1200">
+        <a:solidFill>
+          <a:schemeClr val="tx1"/>
+        </a:solidFill>
+        <a:latin typeface="+mn-lt"/>
+        <a:ea typeface="+mn-ea"/>
+        <a:cs typeface="+mn-cs"/>
+      </a:defRPr>
+    </a:lvl7pPr>
+    <a:lvl8pPr marL="3200400" algn="l" defTabSz="914400" rtl="0" eaLnBrk="1" latinLnBrk="0" hangingPunct="1">
+      <a:defRPr sz="1200" kern="1200">
+        <a:solidFill>
+          <a:schemeClr val="tx1"/>
+        </a:solidFill>
+        <a:latin typeface="+mn-lt"/>
+        <a:ea typeface="+mn-ea"/>
+        <a:cs typeface="+mn-cs"/>
+      </a:defRPr>
+    </a:lvl8pPr>
+    <a:lvl9pPr marL="3657600" algn="l" defTabSz="914400" rtl="0" eaLnBrk="1" latinLnBrk="0" hangingPunct="1">
+      <a:defRPr sz="1200" kern="1200">
+        <a:solidFill>
+          <a:schemeClr val="tx1"/>
+        </a:solidFill>
+        <a:latin typeface="+mn-lt"/>
+        <a:ea typeface="+mn-ea"/>
+        <a:cs typeface="+mn-cs"/>
+      </a:defRPr>
+    </a:lvl9pPr>
+  </p:notesStyle>
+</p:notesMaster>
+</file>
+
+<file path=ppt/notesSlides/notesSlide1.xml><?xml version="1.0" encoding="utf-8"?>
+<p:notes xmlns:a="http://schemas.openxmlformats.org/drawingml/2006/main" xmlns:r="http://schemas.openxmlformats.org/officeDocument/2006/relationships" xmlns:p="http://schemas.openxmlformats.org/presentationml/2006/main">
+  <p:cSld>
+    <p:spTree>
+      <p:nvGrpSpPr>
+        <p:cNvPr id="1" name=""/>
+        <p:cNvGrpSpPr/>
+        <p:nvPr/>
+      </p:nvGrpSpPr>
+      <p:grpSpPr>
+        <a:xfrm>
+          <a:off x="0" y="0"/>
+          <a:ext cx="0" cy="0"/>
+          <a:chOff x="0" y="0"/>
+          <a:chExt cx="0" cy="0"/>
+        </a:xfrm>
+      </p:grpSpPr>
+      <p:sp>
+        <p:nvSpPr>
+          <p:cNvPr id="2" name="Slide Image Placeholder 1"/>
+          <p:cNvSpPr>
+            <a:spLocks noGrp="1" noRot="1" noChangeAspect="1"/>
+          </p:cNvSpPr>
+          <p:nvPr>
+            <p:ph type="sldImg"/>
+          </p:nvPr>
+        </p:nvSpPr>
+        <p:spPr/>
+      </p:sp>
+      <p:sp>
+        <p:nvSpPr>
+          <p:cNvPr id="3" name="Notes Placeholder 2"/>
+          <p:cNvSpPr>
+            <a:spLocks noGrp="1"/>
+          </p:cNvSpPr>
+          <p:nvPr>
+            <p:ph type="body" idx="1"/>
+          </p:nvPr>
+        </p:nvSpPr>
+        <p:spPr/>
+        <p:txBody>
+          <a:bodyPr/>
+          <a:lstStyle/>
+          <a:p>
+            <a:endParaRPr lang="en-US"/>
+          </a:p>
+        </p:txBody>
+      </p:sp>
+      <p:sp>
+        <p:nvSpPr>
+          <p:cNvPr id="4" name="Slide Number Placeholder 3"/>
+          <p:cNvSpPr>
+            <a:spLocks noGrp="1"/>
+          </p:cNvSpPr>
+          <p:nvPr>
+            <p:ph type="sldNum" sz="quarter" idx="5"/>
+          </p:nvPr>
+        </p:nvSpPr>
+        <p:spPr/>
+        <p:txBody>
+          <a:bodyPr/>
+          <a:lstStyle/>
+          <a:p>
+            <a:fld id="{4BF5558B-3D71-4C42-9B86-2655A54A532A}" type="slidenum">
+              <a:rPr lang="en-US" smtClean="0"/>
+              <a:t>2</a:t>
+            </a:fld>
+            <a:endParaRPr lang="en-US"/>
+          </a:p>
+        </p:txBody>
+      </p:sp>
+    </p:spTree>
+    <p:extLst>
+      <p:ext uri="{BB962C8B-B14F-4D97-AF65-F5344CB8AC3E}">
+        <p14:creationId xmlns:p14="http://schemas.microsoft.com/office/powerpoint/2010/main" val="2746689518"/>
+      </p:ext>
+    </p:extLst>
+  </p:cSld>
+  <p:clrMapOvr>
+    <a:masterClrMapping/>
+  </p:clrMapOvr>
+</p:notes>
 </file>
 
 <file path=ppt/slideLayouts/slideLayout1.xml><?xml version="1.0" encoding="utf-8"?>
@@ -238,7 +680,7 @@
           <a:p>
             <a:fld id="{47E2D5BC-1A8D-4ED7-886F-B2BC481110DF}" type="datetimeFigureOut">
               <a:rPr lang="en-US" smtClean="0"/>
-              <a:t>8/2/2020</a:t>
+              <a:t>8/25/2020</a:t>
             </a:fld>
             <a:endParaRPr lang="en-US"/>
           </a:p>
@@ -408,7 +850,7 @@
           <a:p>
             <a:fld id="{47E2D5BC-1A8D-4ED7-886F-B2BC481110DF}" type="datetimeFigureOut">
               <a:rPr lang="en-US" smtClean="0"/>
-              <a:t>8/2/2020</a:t>
+              <a:t>8/25/2020</a:t>
             </a:fld>
             <a:endParaRPr lang="en-US"/>
           </a:p>
@@ -588,7 +1030,7 @@
           <a:p>
             <a:fld id="{47E2D5BC-1A8D-4ED7-886F-B2BC481110DF}" type="datetimeFigureOut">
               <a:rPr lang="en-US" smtClean="0"/>
-              <a:t>8/2/2020</a:t>
+              <a:t>8/25/2020</a:t>
             </a:fld>
             <a:endParaRPr lang="en-US"/>
           </a:p>
@@ -758,7 +1200,7 @@
           <a:p>
             <a:fld id="{47E2D5BC-1A8D-4ED7-886F-B2BC481110DF}" type="datetimeFigureOut">
               <a:rPr lang="en-US" smtClean="0"/>
-              <a:t>8/2/2020</a:t>
+              <a:t>8/25/2020</a:t>
             </a:fld>
             <a:endParaRPr lang="en-US"/>
           </a:p>
@@ -1004,7 +1446,7 @@
           <a:p>
             <a:fld id="{47E2D5BC-1A8D-4ED7-886F-B2BC481110DF}" type="datetimeFigureOut">
               <a:rPr lang="en-US" smtClean="0"/>
-              <a:t>8/2/2020</a:t>
+              <a:t>8/25/2020</a:t>
             </a:fld>
             <a:endParaRPr lang="en-US"/>
           </a:p>
@@ -1236,7 +1678,7 @@
           <a:p>
             <a:fld id="{47E2D5BC-1A8D-4ED7-886F-B2BC481110DF}" type="datetimeFigureOut">
               <a:rPr lang="en-US" smtClean="0"/>
-              <a:t>8/2/2020</a:t>
+              <a:t>8/25/2020</a:t>
             </a:fld>
             <a:endParaRPr lang="en-US"/>
           </a:p>
@@ -1603,7 +2045,7 @@
           <a:p>
             <a:fld id="{47E2D5BC-1A8D-4ED7-886F-B2BC481110DF}" type="datetimeFigureOut">
               <a:rPr lang="en-US" smtClean="0"/>
-              <a:t>8/2/2020</a:t>
+              <a:t>8/25/2020</a:t>
             </a:fld>
             <a:endParaRPr lang="en-US"/>
           </a:p>
@@ -1721,7 +2163,7 @@
           <a:p>
             <a:fld id="{47E2D5BC-1A8D-4ED7-886F-B2BC481110DF}" type="datetimeFigureOut">
               <a:rPr lang="en-US" smtClean="0"/>
-              <a:t>8/2/2020</a:t>
+              <a:t>8/25/2020</a:t>
             </a:fld>
             <a:endParaRPr lang="en-US"/>
           </a:p>
@@ -1816,7 +2258,7 @@
           <a:p>
             <a:fld id="{47E2D5BC-1A8D-4ED7-886F-B2BC481110DF}" type="datetimeFigureOut">
               <a:rPr lang="en-US" smtClean="0"/>
-              <a:t>8/2/2020</a:t>
+              <a:t>8/25/2020</a:t>
             </a:fld>
             <a:endParaRPr lang="en-US"/>
           </a:p>
@@ -2093,7 +2535,7 @@
           <a:p>
             <a:fld id="{47E2D5BC-1A8D-4ED7-886F-B2BC481110DF}" type="datetimeFigureOut">
               <a:rPr lang="en-US" smtClean="0"/>
-              <a:t>8/2/2020</a:t>
+              <a:t>8/25/2020</a:t>
             </a:fld>
             <a:endParaRPr lang="en-US"/>
           </a:p>
@@ -2350,7 +2792,7 @@
           <a:p>
             <a:fld id="{47E2D5BC-1A8D-4ED7-886F-B2BC481110DF}" type="datetimeFigureOut">
               <a:rPr lang="en-US" smtClean="0"/>
-              <a:t>8/2/2020</a:t>
+              <a:t>8/25/2020</a:t>
             </a:fld>
             <a:endParaRPr lang="en-US"/>
           </a:p>
@@ -2563,7 +3005,7 @@
           <a:p>
             <a:fld id="{47E2D5BC-1A8D-4ED7-886F-B2BC481110DF}" type="datetimeFigureOut">
               <a:rPr lang="en-US" smtClean="0"/>
-              <a:t>8/2/2020</a:t>
+              <a:t>8/25/2020</a:t>
             </a:fld>
             <a:endParaRPr lang="en-US"/>
           </a:p>
@@ -4413,6 +4855,1452 @@
 </p:sld>
 </file>
 
+<file path=ppt/slides/slide2.xml><?xml version="1.0" encoding="utf-8"?>
+<p:sld xmlns:a="http://schemas.openxmlformats.org/drawingml/2006/main" xmlns:r="http://schemas.openxmlformats.org/officeDocument/2006/relationships" xmlns:p="http://schemas.openxmlformats.org/presentationml/2006/main">
+  <p:cSld>
+    <p:spTree>
+      <p:nvGrpSpPr>
+        <p:cNvPr id="1" name=""/>
+        <p:cNvGrpSpPr/>
+        <p:nvPr/>
+      </p:nvGrpSpPr>
+      <p:grpSpPr>
+        <a:xfrm>
+          <a:off x="0" y="0"/>
+          <a:ext cx="0" cy="0"/>
+          <a:chOff x="0" y="0"/>
+          <a:chExt cx="0" cy="0"/>
+        </a:xfrm>
+      </p:grpSpPr>
+      <p:sp>
+        <p:nvSpPr>
+          <p:cNvPr id="34" name="TextBox 33">
+            <a:extLst>
+              <a:ext uri="{FF2B5EF4-FFF2-40B4-BE49-F238E27FC236}">
+                <a16:creationId xmlns:a16="http://schemas.microsoft.com/office/drawing/2014/main" id="{A3614542-1D23-4E75-8692-AAE072B090E0}"/>
+              </a:ext>
+            </a:extLst>
+          </p:cNvPr>
+          <p:cNvSpPr txBox="1"/>
+          <p:nvPr/>
+        </p:nvSpPr>
+        <p:spPr>
+          <a:xfrm>
+            <a:off x="6515915" y="4759897"/>
+            <a:ext cx="1920206" cy="400110"/>
+          </a:xfrm>
+          <a:prstGeom prst="rect">
+            <a:avLst/>
+          </a:prstGeom>
+          <a:noFill/>
+        </p:spPr>
+        <p:txBody>
+          <a:bodyPr wrap="none" rtlCol="0">
+            <a:spAutoFit/>
+          </a:bodyPr>
+          <a:lstStyle/>
+          <a:p>
+            <a:r>
+              <a:rPr lang="en-US" sz="2000">
+                <a:latin typeface="Segoe UI" panose="020B0502040204020203" pitchFamily="34" charset="0"/>
+                <a:cs typeface="Segoe UI" panose="020B0502040204020203" pitchFamily="34" charset="0"/>
+              </a:rPr>
+              <a:t>Azure data lake</a:t>
+            </a:r>
+          </a:p>
+        </p:txBody>
+      </p:sp>
+      <p:cxnSp>
+        <p:nvCxnSpPr>
+          <p:cNvPr id="35" name="Straight Arrow Connector 34">
+            <a:extLst>
+              <a:ext uri="{FF2B5EF4-FFF2-40B4-BE49-F238E27FC236}">
+                <a16:creationId xmlns:a16="http://schemas.microsoft.com/office/drawing/2014/main" id="{2B15622A-6D62-4BCD-B231-57D9BDE5B26C}"/>
+              </a:ext>
+            </a:extLst>
+          </p:cNvPr>
+          <p:cNvCxnSpPr>
+            <a:cxnSpLocks/>
+          </p:cNvCxnSpPr>
+          <p:nvPr/>
+        </p:nvCxnSpPr>
+        <p:spPr>
+          <a:xfrm>
+            <a:off x="4400300" y="4337539"/>
+            <a:ext cx="2798816" cy="0"/>
+          </a:xfrm>
+          <a:prstGeom prst="straightConnector1">
+            <a:avLst/>
+          </a:prstGeom>
+          <a:ln w="38100">
+            <a:tailEnd type="triangle"/>
+          </a:ln>
+        </p:spPr>
+        <p:style>
+          <a:lnRef idx="1">
+            <a:schemeClr val="accent1"/>
+          </a:lnRef>
+          <a:fillRef idx="0">
+            <a:schemeClr val="accent1"/>
+          </a:fillRef>
+          <a:effectRef idx="0">
+            <a:schemeClr val="accent1"/>
+          </a:effectRef>
+          <a:fontRef idx="minor">
+            <a:schemeClr val="tx1"/>
+          </a:fontRef>
+        </p:style>
+      </p:cxnSp>
+      <p:cxnSp>
+        <p:nvCxnSpPr>
+          <p:cNvPr id="38" name="Straight Arrow Connector 37">
+            <a:extLst>
+              <a:ext uri="{FF2B5EF4-FFF2-40B4-BE49-F238E27FC236}">
+                <a16:creationId xmlns:a16="http://schemas.microsoft.com/office/drawing/2014/main" id="{9094EE32-A7E3-46E5-8C72-4CFD9B1CD495}"/>
+              </a:ext>
+            </a:extLst>
+          </p:cNvPr>
+          <p:cNvCxnSpPr>
+            <a:cxnSpLocks/>
+            <a:stCxn id="1026" idx="3"/>
+            <a:endCxn id="22" idx="1"/>
+          </p:cNvCxnSpPr>
+          <p:nvPr/>
+        </p:nvCxnSpPr>
+        <p:spPr>
+          <a:xfrm>
+            <a:off x="8005946" y="4290013"/>
+            <a:ext cx="1087444" cy="6825"/>
+          </a:xfrm>
+          <a:prstGeom prst="straightConnector1">
+            <a:avLst/>
+          </a:prstGeom>
+          <a:ln w="38100">
+            <a:tailEnd type="triangle"/>
+          </a:ln>
+        </p:spPr>
+        <p:style>
+          <a:lnRef idx="1">
+            <a:schemeClr val="accent1"/>
+          </a:lnRef>
+          <a:fillRef idx="0">
+            <a:schemeClr val="accent1"/>
+          </a:fillRef>
+          <a:effectRef idx="0">
+            <a:schemeClr val="accent1"/>
+          </a:effectRef>
+          <a:fontRef idx="minor">
+            <a:schemeClr val="tx1"/>
+          </a:fontRef>
+        </p:style>
+      </p:cxnSp>
+      <p:sp>
+        <p:nvSpPr>
+          <p:cNvPr id="57" name="Rectangle: Rounded Corners 56">
+            <a:extLst>
+              <a:ext uri="{FF2B5EF4-FFF2-40B4-BE49-F238E27FC236}">
+                <a16:creationId xmlns:a16="http://schemas.microsoft.com/office/drawing/2014/main" id="{08D0C1D0-9983-4A93-A473-117EC7D5E3C4}"/>
+              </a:ext>
+            </a:extLst>
+          </p:cNvPr>
+          <p:cNvSpPr/>
+          <p:nvPr/>
+        </p:nvSpPr>
+        <p:spPr>
+          <a:xfrm>
+            <a:off x="4550945" y="2094373"/>
+            <a:ext cx="2494258" cy="2179389"/>
+          </a:xfrm>
+          <a:prstGeom prst="roundRect">
+            <a:avLst/>
+          </a:prstGeom>
+          <a:noFill/>
+          <a:ln w="19050">
+            <a:solidFill>
+              <a:srgbClr val="0070C0"/>
+            </a:solidFill>
+            <a:prstDash val="dash"/>
+          </a:ln>
+        </p:spPr>
+        <p:style>
+          <a:lnRef idx="2">
+            <a:schemeClr val="accent1">
+              <a:shade val="50000"/>
+            </a:schemeClr>
+          </a:lnRef>
+          <a:fillRef idx="1">
+            <a:schemeClr val="accent1"/>
+          </a:fillRef>
+          <a:effectRef idx="0">
+            <a:schemeClr val="accent1"/>
+          </a:effectRef>
+          <a:fontRef idx="minor">
+            <a:schemeClr val="lt1"/>
+          </a:fontRef>
+        </p:style>
+        <p:txBody>
+          <a:bodyPr rtlCol="0" anchor="ctr"/>
+          <a:lstStyle/>
+          <a:p>
+            <a:pPr algn="ctr"/>
+            <a:endParaRPr lang="en-US"/>
+          </a:p>
+        </p:txBody>
+      </p:sp>
+      <p:grpSp>
+        <p:nvGrpSpPr>
+          <p:cNvPr id="70" name="Group 69">
+            <a:extLst>
+              <a:ext uri="{FF2B5EF4-FFF2-40B4-BE49-F238E27FC236}">
+                <a16:creationId xmlns:a16="http://schemas.microsoft.com/office/drawing/2014/main" id="{E7873D0F-CFF5-4AAA-B67A-F9544182964E}"/>
+              </a:ext>
+            </a:extLst>
+          </p:cNvPr>
+          <p:cNvGrpSpPr/>
+          <p:nvPr/>
+        </p:nvGrpSpPr>
+        <p:grpSpPr>
+          <a:xfrm>
+            <a:off x="4650319" y="2171251"/>
+            <a:ext cx="2349329" cy="2106038"/>
+            <a:chOff x="4650319" y="2171251"/>
+            <a:chExt cx="2349329" cy="2106038"/>
+          </a:xfrm>
+        </p:grpSpPr>
+        <p:sp>
+          <p:nvSpPr>
+            <p:cNvPr id="36" name="Rectangle 35">
+              <a:extLst>
+                <a:ext uri="{FF2B5EF4-FFF2-40B4-BE49-F238E27FC236}">
+                  <a16:creationId xmlns:a16="http://schemas.microsoft.com/office/drawing/2014/main" id="{03D86FE2-9DC4-4C09-816F-A50A8C4D0B02}"/>
+                </a:ext>
+              </a:extLst>
+            </p:cNvPr>
+            <p:cNvSpPr/>
+            <p:nvPr/>
+          </p:nvSpPr>
+          <p:spPr>
+            <a:xfrm>
+              <a:off x="4697235" y="3907957"/>
+              <a:ext cx="2064476" cy="369332"/>
+            </a:xfrm>
+            <a:prstGeom prst="rect">
+              <a:avLst/>
+            </a:prstGeom>
+          </p:spPr>
+          <p:txBody>
+            <a:bodyPr wrap="none">
+              <a:spAutoFit/>
+            </a:bodyPr>
+            <a:lstStyle/>
+            <a:p>
+              <a:r>
+                <a:rPr lang="en-US">
+                  <a:latin typeface="Segoe UI" panose="020B0502040204020203" pitchFamily="34" charset="0"/>
+                  <a:cs typeface="Segoe UI" panose="020B0502040204020203" pitchFamily="34" charset="0"/>
+                </a:rPr>
+                <a:t>Power query {SQL}</a:t>
+              </a:r>
+            </a:p>
+          </p:txBody>
+        </p:sp>
+        <p:pic>
+          <p:nvPicPr>
+            <p:cNvPr id="41" name="Picture 2">
+              <a:extLst>
+                <a:ext uri="{FF2B5EF4-FFF2-40B4-BE49-F238E27FC236}">
+                  <a16:creationId xmlns:a16="http://schemas.microsoft.com/office/drawing/2014/main" id="{A48073B0-E977-44FC-BE0A-7828B6F56635}"/>
+                </a:ext>
+              </a:extLst>
+            </p:cNvPr>
+            <p:cNvPicPr>
+              <a:picLocks noChangeAspect="1" noChangeArrowheads="1"/>
+            </p:cNvPicPr>
+            <p:nvPr/>
+          </p:nvPicPr>
+          <p:blipFill>
+            <a:blip r:embed="rId3">
+              <a:extLst>
+                <a:ext uri="{28A0092B-C50C-407E-A947-70E740481C1C}">
+                  <a14:useLocalDpi xmlns:a14="http://schemas.microsoft.com/office/drawing/2010/main" val="0"/>
+                </a:ext>
+              </a:extLst>
+            </a:blip>
+            <a:srcRect/>
+            <a:stretch>
+              <a:fillRect/>
+            </a:stretch>
+          </p:blipFill>
+          <p:spPr bwMode="auto">
+            <a:xfrm>
+              <a:off x="4650319" y="2239272"/>
+              <a:ext cx="485345" cy="615949"/>
+            </a:xfrm>
+            <a:prstGeom prst="rect">
+              <a:avLst/>
+            </a:prstGeom>
+            <a:noFill/>
+            <a:extLst>
+              <a:ext uri="{909E8E84-426E-40DD-AFC4-6F175D3DCCD1}">
+                <a14:hiddenFill xmlns:a14="http://schemas.microsoft.com/office/drawing/2010/main">
+                  <a:solidFill>
+                    <a:srgbClr val="FFFFFF"/>
+                  </a:solidFill>
+                </a14:hiddenFill>
+              </a:ext>
+            </a:extLst>
+          </p:spPr>
+        </p:pic>
+        <p:sp>
+          <p:nvSpPr>
+            <p:cNvPr id="42" name="TextBox 41">
+              <a:extLst>
+                <a:ext uri="{FF2B5EF4-FFF2-40B4-BE49-F238E27FC236}">
+                  <a16:creationId xmlns:a16="http://schemas.microsoft.com/office/drawing/2014/main" id="{C743B076-B4D5-4EA5-805E-996915C084B2}"/>
+                </a:ext>
+              </a:extLst>
+            </p:cNvPr>
+            <p:cNvSpPr txBox="1"/>
+            <p:nvPr/>
+          </p:nvSpPr>
+          <p:spPr>
+            <a:xfrm>
+              <a:off x="4709853" y="2593062"/>
+              <a:ext cx="1049903" cy="338554"/>
+            </a:xfrm>
+            <a:prstGeom prst="rect">
+              <a:avLst/>
+            </a:prstGeom>
+            <a:noFill/>
+          </p:spPr>
+          <p:txBody>
+            <a:bodyPr wrap="none" rtlCol="0">
+              <a:spAutoFit/>
+            </a:bodyPr>
+            <a:lstStyle/>
+            <a:p>
+              <a:r>
+                <a:rPr lang="en-US" sz="1600">
+                  <a:latin typeface="Segoe UI" panose="020B0502040204020203" pitchFamily="34" charset="0"/>
+                  <a:cs typeface="Segoe UI" panose="020B0502040204020203" pitchFamily="34" charset="0"/>
+                </a:rPr>
+                <a:t>Hermesql</a:t>
+              </a:r>
+            </a:p>
+          </p:txBody>
+        </p:sp>
+        <p:pic>
+          <p:nvPicPr>
+            <p:cNvPr id="43" name="Picture 4">
+              <a:extLst>
+                <a:ext uri="{FF2B5EF4-FFF2-40B4-BE49-F238E27FC236}">
+                  <a16:creationId xmlns:a16="http://schemas.microsoft.com/office/drawing/2014/main" id="{34135D97-98B5-430E-B14F-44AA1DA87DF3}"/>
+                </a:ext>
+              </a:extLst>
+            </p:cNvPr>
+            <p:cNvPicPr>
+              <a:picLocks noChangeAspect="1" noChangeArrowheads="1"/>
+            </p:cNvPicPr>
+            <p:nvPr/>
+          </p:nvPicPr>
+          <p:blipFill>
+            <a:blip r:embed="rId4">
+              <a:extLst>
+                <a:ext uri="{28A0092B-C50C-407E-A947-70E740481C1C}">
+                  <a14:useLocalDpi xmlns:a14="http://schemas.microsoft.com/office/drawing/2010/main" val="0"/>
+                </a:ext>
+              </a:extLst>
+            </a:blip>
+            <a:srcRect/>
+            <a:stretch>
+              <a:fillRect/>
+            </a:stretch>
+          </p:blipFill>
+          <p:spPr bwMode="auto">
+            <a:xfrm>
+              <a:off x="5964034" y="2588995"/>
+              <a:ext cx="812027" cy="812027"/>
+            </a:xfrm>
+            <a:prstGeom prst="rect">
+              <a:avLst/>
+            </a:prstGeom>
+            <a:noFill/>
+            <a:extLst>
+              <a:ext uri="{909E8E84-426E-40DD-AFC4-6F175D3DCCD1}">
+                <a14:hiddenFill xmlns:a14="http://schemas.microsoft.com/office/drawing/2010/main">
+                  <a:solidFill>
+                    <a:srgbClr val="FFFFFF"/>
+                  </a:solidFill>
+                </a14:hiddenFill>
+              </a:ext>
+            </a:extLst>
+          </p:spPr>
+        </p:pic>
+        <p:sp>
+          <p:nvSpPr>
+            <p:cNvPr id="44" name="TextBox 43">
+              <a:extLst>
+                <a:ext uri="{FF2B5EF4-FFF2-40B4-BE49-F238E27FC236}">
+                  <a16:creationId xmlns:a16="http://schemas.microsoft.com/office/drawing/2014/main" id="{D218294E-3E5C-40B4-9B79-B661B09A1BC8}"/>
+                </a:ext>
+              </a:extLst>
+            </p:cNvPr>
+            <p:cNvSpPr txBox="1"/>
+            <p:nvPr/>
+          </p:nvSpPr>
+          <p:spPr>
+            <a:xfrm>
+              <a:off x="5639467" y="3285405"/>
+              <a:ext cx="1360181" cy="400110"/>
+            </a:xfrm>
+            <a:prstGeom prst="rect">
+              <a:avLst/>
+            </a:prstGeom>
+            <a:noFill/>
+          </p:spPr>
+          <p:txBody>
+            <a:bodyPr wrap="none" rtlCol="0">
+              <a:spAutoFit/>
+            </a:bodyPr>
+            <a:lstStyle/>
+            <a:p>
+              <a:r>
+                <a:rPr lang="en-US" sz="2000">
+                  <a:latin typeface="Segoe UI" panose="020B0502040204020203" pitchFamily="34" charset="0"/>
+                  <a:cs typeface="Segoe UI" panose="020B0502040204020203" pitchFamily="34" charset="0"/>
+                </a:rPr>
+                <a:t>ETL model</a:t>
+              </a:r>
+            </a:p>
+          </p:txBody>
+        </p:sp>
+        <p:cxnSp>
+          <p:nvCxnSpPr>
+            <p:cNvPr id="45" name="Straight Arrow Connector 44" descr="ETL">
+              <a:extLst>
+                <a:ext uri="{FF2B5EF4-FFF2-40B4-BE49-F238E27FC236}">
+                  <a16:creationId xmlns:a16="http://schemas.microsoft.com/office/drawing/2014/main" id="{1E9EDB2E-6E04-415C-9206-FA7169DCCE91}"/>
+                </a:ext>
+              </a:extLst>
+            </p:cNvPr>
+            <p:cNvCxnSpPr>
+              <a:cxnSpLocks/>
+            </p:cNvCxnSpPr>
+            <p:nvPr/>
+          </p:nvCxnSpPr>
+          <p:spPr>
+            <a:xfrm>
+              <a:off x="6353044" y="3612464"/>
+              <a:ext cx="0" cy="373413"/>
+            </a:xfrm>
+            <a:prstGeom prst="straightConnector1">
+              <a:avLst/>
+            </a:prstGeom>
+            <a:ln w="28575">
+              <a:tailEnd type="triangle"/>
+            </a:ln>
+          </p:spPr>
+          <p:style>
+            <a:lnRef idx="1">
+              <a:schemeClr val="accent1"/>
+            </a:lnRef>
+            <a:fillRef idx="0">
+              <a:schemeClr val="accent1"/>
+            </a:fillRef>
+            <a:effectRef idx="0">
+              <a:schemeClr val="accent1"/>
+            </a:effectRef>
+            <a:fontRef idx="minor">
+              <a:schemeClr val="tx1"/>
+            </a:fontRef>
+          </p:style>
+        </p:cxnSp>
+        <p:pic>
+          <p:nvPicPr>
+            <p:cNvPr id="58" name="Picture 57">
+              <a:extLst>
+                <a:ext uri="{FF2B5EF4-FFF2-40B4-BE49-F238E27FC236}">
+                  <a16:creationId xmlns:a16="http://schemas.microsoft.com/office/drawing/2014/main" id="{C7F74EB8-62D7-41C9-BF84-8BC75B51F158}"/>
+                </a:ext>
+              </a:extLst>
+            </p:cNvPr>
+            <p:cNvPicPr>
+              <a:picLocks noChangeAspect="1"/>
+            </p:cNvPicPr>
+            <p:nvPr/>
+          </p:nvPicPr>
+          <p:blipFill>
+            <a:blip r:embed="rId5"/>
+            <a:stretch>
+              <a:fillRect/>
+            </a:stretch>
+          </p:blipFill>
+          <p:spPr>
+            <a:xfrm>
+              <a:off x="6186742" y="2171251"/>
+              <a:ext cx="658346" cy="312714"/>
+            </a:xfrm>
+            <a:prstGeom prst="rect">
+              <a:avLst/>
+            </a:prstGeom>
+          </p:spPr>
+        </p:pic>
+      </p:grpSp>
+      <p:grpSp>
+        <p:nvGrpSpPr>
+          <p:cNvPr id="14" name="Group 13">
+            <a:extLst>
+              <a:ext uri="{FF2B5EF4-FFF2-40B4-BE49-F238E27FC236}">
+                <a16:creationId xmlns:a16="http://schemas.microsoft.com/office/drawing/2014/main" id="{4F56E28E-6292-4D42-9DD0-FF800365C2CA}"/>
+              </a:ext>
+            </a:extLst>
+          </p:cNvPr>
+          <p:cNvGrpSpPr/>
+          <p:nvPr/>
+        </p:nvGrpSpPr>
+        <p:grpSpPr>
+          <a:xfrm>
+            <a:off x="10666014" y="3710916"/>
+            <a:ext cx="1359603" cy="1120133"/>
+            <a:chOff x="12572101" y="2273219"/>
+            <a:chExt cx="1359603" cy="1120133"/>
+          </a:xfrm>
+        </p:grpSpPr>
+        <p:pic>
+          <p:nvPicPr>
+            <p:cNvPr id="1028" name="Picture 4">
+              <a:extLst>
+                <a:ext uri="{FF2B5EF4-FFF2-40B4-BE49-F238E27FC236}">
+                  <a16:creationId xmlns:a16="http://schemas.microsoft.com/office/drawing/2014/main" id="{27EFC1F9-3935-4B62-AF29-A0EEC0E6DADE}"/>
+                </a:ext>
+              </a:extLst>
+            </p:cNvPr>
+            <p:cNvPicPr>
+              <a:picLocks noChangeAspect="1" noChangeArrowheads="1"/>
+            </p:cNvPicPr>
+            <p:nvPr/>
+          </p:nvPicPr>
+          <p:blipFill>
+            <a:blip r:embed="rId6">
+              <a:extLst>
+                <a:ext uri="{28A0092B-C50C-407E-A947-70E740481C1C}">
+                  <a14:useLocalDpi xmlns:a14="http://schemas.microsoft.com/office/drawing/2010/main" val="0"/>
+                </a:ext>
+              </a:extLst>
+            </a:blip>
+            <a:srcRect/>
+            <a:stretch>
+              <a:fillRect/>
+            </a:stretch>
+          </p:blipFill>
+          <p:spPr bwMode="auto">
+            <a:xfrm>
+              <a:off x="12908864" y="2273219"/>
+              <a:ext cx="686079" cy="679629"/>
+            </a:xfrm>
+            <a:prstGeom prst="rect">
+              <a:avLst/>
+            </a:prstGeom>
+            <a:noFill/>
+            <a:extLst>
+              <a:ext uri="{909E8E84-426E-40DD-AFC4-6F175D3DCCD1}">
+                <a14:hiddenFill xmlns:a14="http://schemas.microsoft.com/office/drawing/2010/main">
+                  <a:solidFill>
+                    <a:srgbClr val="FFFFFF"/>
+                  </a:solidFill>
+                </a14:hiddenFill>
+              </a:ext>
+            </a:extLst>
+          </p:spPr>
+        </p:pic>
+        <p:sp>
+          <p:nvSpPr>
+            <p:cNvPr id="67" name="TextBox 66">
+              <a:extLst>
+                <a:ext uri="{FF2B5EF4-FFF2-40B4-BE49-F238E27FC236}">
+                  <a16:creationId xmlns:a16="http://schemas.microsoft.com/office/drawing/2014/main" id="{D2E5EBDC-43D1-4B1E-AE25-811F05F81574}"/>
+                </a:ext>
+              </a:extLst>
+            </p:cNvPr>
+            <p:cNvSpPr txBox="1"/>
+            <p:nvPr/>
+          </p:nvSpPr>
+          <p:spPr>
+            <a:xfrm>
+              <a:off x="12572101" y="2931687"/>
+              <a:ext cx="1359603" cy="461665"/>
+            </a:xfrm>
+            <a:prstGeom prst="rect">
+              <a:avLst/>
+            </a:prstGeom>
+            <a:noFill/>
+          </p:spPr>
+          <p:txBody>
+            <a:bodyPr wrap="none" rtlCol="0">
+              <a:spAutoFit/>
+            </a:bodyPr>
+            <a:lstStyle/>
+            <a:p>
+              <a:r>
+                <a:rPr lang="en-US" sz="2400">
+                  <a:latin typeface="Segoe UI" panose="020B0502040204020203" pitchFamily="34" charset="0"/>
+                  <a:cs typeface="Segoe UI" panose="020B0502040204020203" pitchFamily="34" charset="0"/>
+                </a:rPr>
+                <a:t>Power BI</a:t>
+              </a:r>
+            </a:p>
+          </p:txBody>
+        </p:sp>
+      </p:grpSp>
+      <p:grpSp>
+        <p:nvGrpSpPr>
+          <p:cNvPr id="13" name="Group 12">
+            <a:extLst>
+              <a:ext uri="{FF2B5EF4-FFF2-40B4-BE49-F238E27FC236}">
+                <a16:creationId xmlns:a16="http://schemas.microsoft.com/office/drawing/2014/main" id="{600A2C3F-B2C4-4DEF-9A2D-393B21E5CC12}"/>
+              </a:ext>
+            </a:extLst>
+          </p:cNvPr>
+          <p:cNvGrpSpPr/>
+          <p:nvPr/>
+        </p:nvGrpSpPr>
+        <p:grpSpPr>
+          <a:xfrm>
+            <a:off x="12413102" y="3739097"/>
+            <a:ext cx="857094" cy="1104690"/>
+            <a:chOff x="14072770" y="3742504"/>
+            <a:chExt cx="857094" cy="1104690"/>
+          </a:xfrm>
+        </p:grpSpPr>
+        <p:pic>
+          <p:nvPicPr>
+            <p:cNvPr id="1030" name="Picture 6">
+              <a:extLst>
+                <a:ext uri="{FF2B5EF4-FFF2-40B4-BE49-F238E27FC236}">
+                  <a16:creationId xmlns:a16="http://schemas.microsoft.com/office/drawing/2014/main" id="{813BDE61-B0C4-45CE-ACC6-86FC215DB84D}"/>
+                </a:ext>
+              </a:extLst>
+            </p:cNvPr>
+            <p:cNvPicPr>
+              <a:picLocks noChangeAspect="1" noChangeArrowheads="1"/>
+            </p:cNvPicPr>
+            <p:nvPr/>
+          </p:nvPicPr>
+          <p:blipFill>
+            <a:blip r:embed="rId7">
+              <a:extLst>
+                <a:ext uri="{28A0092B-C50C-407E-A947-70E740481C1C}">
+                  <a14:useLocalDpi xmlns:a14="http://schemas.microsoft.com/office/drawing/2010/main" val="0"/>
+                </a:ext>
+              </a:extLst>
+            </a:blip>
+            <a:srcRect/>
+            <a:stretch>
+              <a:fillRect/>
+            </a:stretch>
+          </p:blipFill>
+          <p:spPr bwMode="auto">
+            <a:xfrm>
+              <a:off x="14072770" y="3742504"/>
+              <a:ext cx="686080" cy="686080"/>
+            </a:xfrm>
+            <a:prstGeom prst="rect">
+              <a:avLst/>
+            </a:prstGeom>
+            <a:noFill/>
+            <a:extLst>
+              <a:ext uri="{909E8E84-426E-40DD-AFC4-6F175D3DCCD1}">
+                <a14:hiddenFill xmlns:a14="http://schemas.microsoft.com/office/drawing/2010/main">
+                  <a:solidFill>
+                    <a:srgbClr val="FFFFFF"/>
+                  </a:solidFill>
+                </a14:hiddenFill>
+              </a:ext>
+            </a:extLst>
+          </p:spPr>
+        </p:pic>
+        <p:sp>
+          <p:nvSpPr>
+            <p:cNvPr id="73" name="TextBox 72">
+              <a:extLst>
+                <a:ext uri="{FF2B5EF4-FFF2-40B4-BE49-F238E27FC236}">
+                  <a16:creationId xmlns:a16="http://schemas.microsoft.com/office/drawing/2014/main" id="{9992B0B0-1ABF-4438-9CF2-55331A2845DE}"/>
+                </a:ext>
+              </a:extLst>
+            </p:cNvPr>
+            <p:cNvSpPr txBox="1"/>
+            <p:nvPr/>
+          </p:nvSpPr>
+          <p:spPr>
+            <a:xfrm>
+              <a:off x="14072770" y="4385529"/>
+              <a:ext cx="857094" cy="461665"/>
+            </a:xfrm>
+            <a:prstGeom prst="rect">
+              <a:avLst/>
+            </a:prstGeom>
+            <a:noFill/>
+          </p:spPr>
+          <p:txBody>
+            <a:bodyPr wrap="none" rtlCol="0">
+              <a:spAutoFit/>
+            </a:bodyPr>
+            <a:lstStyle/>
+            <a:p>
+              <a:r>
+                <a:rPr lang="en-US" sz="2400">
+                  <a:latin typeface="Segoe UI" panose="020B0502040204020203" pitchFamily="34" charset="0"/>
+                  <a:cs typeface="Segoe UI" panose="020B0502040204020203" pitchFamily="34" charset="0"/>
+                </a:rPr>
+                <a:t>Excel</a:t>
+              </a:r>
+            </a:p>
+          </p:txBody>
+        </p:sp>
+      </p:grpSp>
+      <p:grpSp>
+        <p:nvGrpSpPr>
+          <p:cNvPr id="12" name="Group 11">
+            <a:extLst>
+              <a:ext uri="{FF2B5EF4-FFF2-40B4-BE49-F238E27FC236}">
+                <a16:creationId xmlns:a16="http://schemas.microsoft.com/office/drawing/2014/main" id="{87C8FDB2-9FC5-41D0-B114-43E669734CA2}"/>
+              </a:ext>
+            </a:extLst>
+          </p:cNvPr>
+          <p:cNvGrpSpPr/>
+          <p:nvPr/>
+        </p:nvGrpSpPr>
+        <p:grpSpPr>
+          <a:xfrm>
+            <a:off x="13642440" y="3710916"/>
+            <a:ext cx="1748519" cy="1080026"/>
+            <a:chOff x="15086312" y="4455330"/>
+            <a:chExt cx="1748519" cy="1080026"/>
+          </a:xfrm>
+        </p:grpSpPr>
+        <p:pic>
+          <p:nvPicPr>
+            <p:cNvPr id="1032" name="Picture 8">
+              <a:extLst>
+                <a:ext uri="{FF2B5EF4-FFF2-40B4-BE49-F238E27FC236}">
+                  <a16:creationId xmlns:a16="http://schemas.microsoft.com/office/drawing/2014/main" id="{4242C011-AC7A-4331-99A2-0F4187EBB062}"/>
+                </a:ext>
+              </a:extLst>
+            </p:cNvPr>
+            <p:cNvPicPr>
+              <a:picLocks noChangeAspect="1" noChangeArrowheads="1"/>
+            </p:cNvPicPr>
+            <p:nvPr/>
+          </p:nvPicPr>
+          <p:blipFill rotWithShape="1">
+            <a:blip r:embed="rId8">
+              <a:extLst>
+                <a:ext uri="{28A0092B-C50C-407E-A947-70E740481C1C}">
+                  <a14:useLocalDpi xmlns:a14="http://schemas.microsoft.com/office/drawing/2010/main" val="0"/>
+                </a:ext>
+              </a:extLst>
+            </a:blip>
+            <a:srcRect t="29722" b="36819"/>
+            <a:stretch/>
+          </p:blipFill>
+          <p:spPr bwMode="auto">
+            <a:xfrm>
+              <a:off x="15086312" y="4455330"/>
+              <a:ext cx="1748519" cy="585048"/>
+            </a:xfrm>
+            <a:prstGeom prst="rect">
+              <a:avLst/>
+            </a:prstGeom>
+            <a:noFill/>
+            <a:extLst>
+              <a:ext uri="{909E8E84-426E-40DD-AFC4-6F175D3DCCD1}">
+                <a14:hiddenFill xmlns:a14="http://schemas.microsoft.com/office/drawing/2010/main">
+                  <a:solidFill>
+                    <a:srgbClr val="FFFFFF"/>
+                  </a:solidFill>
+                </a14:hiddenFill>
+              </a:ext>
+            </a:extLst>
+          </p:spPr>
+        </p:pic>
+        <p:pic>
+          <p:nvPicPr>
+            <p:cNvPr id="1034" name="Picture 10">
+              <a:extLst>
+                <a:ext uri="{FF2B5EF4-FFF2-40B4-BE49-F238E27FC236}">
+                  <a16:creationId xmlns:a16="http://schemas.microsoft.com/office/drawing/2014/main" id="{B2D6788C-382E-4053-82D7-30F46FDFF18D}"/>
+                </a:ext>
+              </a:extLst>
+            </p:cNvPr>
+            <p:cNvPicPr>
+              <a:picLocks noChangeAspect="1" noChangeArrowheads="1"/>
+            </p:cNvPicPr>
+            <p:nvPr/>
+          </p:nvPicPr>
+          <p:blipFill>
+            <a:blip r:embed="rId9">
+              <a:extLst>
+                <a:ext uri="{28A0092B-C50C-407E-A947-70E740481C1C}">
+                  <a14:useLocalDpi xmlns:a14="http://schemas.microsoft.com/office/drawing/2010/main" val="0"/>
+                </a:ext>
+              </a:extLst>
+            </a:blip>
+            <a:srcRect/>
+            <a:stretch>
+              <a:fillRect/>
+            </a:stretch>
+          </p:blipFill>
+          <p:spPr bwMode="auto">
+            <a:xfrm>
+              <a:off x="15243391" y="5098362"/>
+              <a:ext cx="390330" cy="390330"/>
+            </a:xfrm>
+            <a:prstGeom prst="rect">
+              <a:avLst/>
+            </a:prstGeom>
+            <a:noFill/>
+            <a:extLst>
+              <a:ext uri="{909E8E84-426E-40DD-AFC4-6F175D3DCCD1}">
+                <a14:hiddenFill xmlns:a14="http://schemas.microsoft.com/office/drawing/2010/main">
+                  <a:solidFill>
+                    <a:srgbClr val="FFFFFF"/>
+                  </a:solidFill>
+                </a14:hiddenFill>
+              </a:ext>
+            </a:extLst>
+          </p:spPr>
+        </p:pic>
+        <p:sp>
+          <p:nvSpPr>
+            <p:cNvPr id="83" name="TextBox 82">
+              <a:extLst>
+                <a:ext uri="{FF2B5EF4-FFF2-40B4-BE49-F238E27FC236}">
+                  <a16:creationId xmlns:a16="http://schemas.microsoft.com/office/drawing/2014/main" id="{C1BA5F16-0702-4F73-8647-40EB829D9795}"/>
+                </a:ext>
+              </a:extLst>
+            </p:cNvPr>
+            <p:cNvSpPr txBox="1"/>
+            <p:nvPr/>
+          </p:nvSpPr>
+          <p:spPr>
+            <a:xfrm>
+              <a:off x="15633721" y="5073691"/>
+              <a:ext cx="981359" cy="461665"/>
+            </a:xfrm>
+            <a:prstGeom prst="rect">
+              <a:avLst/>
+            </a:prstGeom>
+            <a:noFill/>
+          </p:spPr>
+          <p:txBody>
+            <a:bodyPr wrap="none" rtlCol="0">
+              <a:spAutoFit/>
+            </a:bodyPr>
+            <a:lstStyle/>
+            <a:p>
+              <a:r>
+                <a:rPr lang="en-US" sz="2400">
+                  <a:latin typeface="Segoe UI" panose="020B0502040204020203" pitchFamily="34" charset="0"/>
+                  <a:cs typeface="Segoe UI" panose="020B0502040204020203" pitchFamily="34" charset="0"/>
+                </a:rPr>
+                <a:t>tabint</a:t>
+              </a:r>
+            </a:p>
+          </p:txBody>
+        </p:sp>
+      </p:grpSp>
+      <p:pic>
+        <p:nvPicPr>
+          <p:cNvPr id="1026" name="Picture 2" descr="Load data from SNMP to Azure Data Lake Storage">
+            <a:extLst>
+              <a:ext uri="{FF2B5EF4-FFF2-40B4-BE49-F238E27FC236}">
+                <a16:creationId xmlns:a16="http://schemas.microsoft.com/office/drawing/2014/main" id="{E746D934-7126-475C-94A3-0E9AF4F03A2A}"/>
+              </a:ext>
+            </a:extLst>
+          </p:cNvPr>
+          <p:cNvPicPr>
+            <a:picLocks noChangeAspect="1" noChangeArrowheads="1"/>
+          </p:cNvPicPr>
+          <p:nvPr/>
+        </p:nvPicPr>
+        <p:blipFill rotWithShape="1">
+          <a:blip r:embed="rId10">
+            <a:extLst>
+              <a:ext uri="{28A0092B-C50C-407E-A947-70E740481C1C}">
+                <a14:useLocalDpi xmlns:a14="http://schemas.microsoft.com/office/drawing/2010/main" val="0"/>
+              </a:ext>
+            </a:extLst>
+          </a:blip>
+          <a:srcRect l="32013" t="28251" r="31137" b="23233"/>
+          <a:stretch/>
+        </p:blipFill>
+        <p:spPr bwMode="auto">
+          <a:xfrm>
+            <a:off x="7216217" y="3770132"/>
+            <a:ext cx="789729" cy="1039761"/>
+          </a:xfrm>
+          <a:prstGeom prst="rect">
+            <a:avLst/>
+          </a:prstGeom>
+          <a:noFill/>
+          <a:extLst>
+            <a:ext uri="{909E8E84-426E-40DD-AFC4-6F175D3DCCD1}">
+              <a14:hiddenFill xmlns:a14="http://schemas.microsoft.com/office/drawing/2010/main">
+                <a:solidFill>
+                  <a:srgbClr val="FFFFFF"/>
+                </a:solidFill>
+              </a14:hiddenFill>
+            </a:ext>
+          </a:extLst>
+        </p:spPr>
+      </p:pic>
+      <p:pic>
+        <p:nvPicPr>
+          <p:cNvPr id="2" name="Picture 4" descr="Office, database Free Icon of Super Flat Remix V1.08">
+            <a:extLst>
+              <a:ext uri="{FF2B5EF4-FFF2-40B4-BE49-F238E27FC236}">
+                <a16:creationId xmlns:a16="http://schemas.microsoft.com/office/drawing/2014/main" id="{AA845FAB-8C85-431A-B789-5AF168D29DCD}"/>
+              </a:ext>
+            </a:extLst>
+          </p:cNvPr>
+          <p:cNvPicPr>
+            <a:picLocks noChangeAspect="1" noChangeArrowheads="1"/>
+          </p:cNvPicPr>
+          <p:nvPr/>
+        </p:nvPicPr>
+        <p:blipFill>
+          <a:blip r:embed="rId11">
+            <a:extLst>
+              <a:ext uri="{28A0092B-C50C-407E-A947-70E740481C1C}">
+                <a14:useLocalDpi xmlns:a14="http://schemas.microsoft.com/office/drawing/2010/main" val="0"/>
+              </a:ext>
+            </a:extLst>
+          </a:blip>
+          <a:srcRect/>
+          <a:stretch>
+            <a:fillRect/>
+          </a:stretch>
+        </p:blipFill>
+        <p:spPr bwMode="auto">
+          <a:xfrm>
+            <a:off x="3464563" y="3811084"/>
+            <a:ext cx="947291" cy="947291"/>
+          </a:xfrm>
+          <a:prstGeom prst="rect">
+            <a:avLst/>
+          </a:prstGeom>
+          <a:noFill/>
+          <a:extLst>
+            <a:ext uri="{909E8E84-426E-40DD-AFC4-6F175D3DCCD1}">
+              <a14:hiddenFill xmlns:a14="http://schemas.microsoft.com/office/drawing/2010/main">
+                <a:solidFill>
+                  <a:srgbClr val="FFFFFF"/>
+                </a:solidFill>
+              </a14:hiddenFill>
+            </a:ext>
+          </a:extLst>
+        </p:spPr>
+      </p:pic>
+      <p:sp>
+        <p:nvSpPr>
+          <p:cNvPr id="3" name="TextBox 2">
+            <a:extLst>
+              <a:ext uri="{FF2B5EF4-FFF2-40B4-BE49-F238E27FC236}">
+                <a16:creationId xmlns:a16="http://schemas.microsoft.com/office/drawing/2014/main" id="{381D881A-B987-4080-9172-3C36B6BBD061}"/>
+              </a:ext>
+            </a:extLst>
+          </p:cNvPr>
+          <p:cNvSpPr txBox="1"/>
+          <p:nvPr/>
+        </p:nvSpPr>
+        <p:spPr>
+          <a:xfrm>
+            <a:off x="3101750" y="4759897"/>
+            <a:ext cx="1564659" cy="400110"/>
+          </a:xfrm>
+          <a:prstGeom prst="rect">
+            <a:avLst/>
+          </a:prstGeom>
+          <a:noFill/>
+        </p:spPr>
+        <p:txBody>
+          <a:bodyPr wrap="none" rtlCol="0">
+            <a:spAutoFit/>
+          </a:bodyPr>
+          <a:lstStyle/>
+          <a:p>
+            <a:r>
+              <a:rPr lang="en-US" sz="2000">
+                <a:latin typeface="Segoe UI" panose="020B0502040204020203" pitchFamily="34" charset="0"/>
+                <a:cs typeface="Segoe UI" panose="020B0502040204020203" pitchFamily="34" charset="0"/>
+              </a:rPr>
+              <a:t>Datasources</a:t>
+            </a:r>
+          </a:p>
+        </p:txBody>
+      </p:sp>
+      <p:sp>
+        <p:nvSpPr>
+          <p:cNvPr id="4" name="TextBox 3">
+            <a:extLst>
+              <a:ext uri="{FF2B5EF4-FFF2-40B4-BE49-F238E27FC236}">
+                <a16:creationId xmlns:a16="http://schemas.microsoft.com/office/drawing/2014/main" id="{3DB36D0E-A404-4630-BA29-68F4A9524736}"/>
+              </a:ext>
+            </a:extLst>
+          </p:cNvPr>
+          <p:cNvSpPr txBox="1"/>
+          <p:nvPr/>
+        </p:nvSpPr>
+        <p:spPr>
+          <a:xfrm>
+            <a:off x="5196011" y="5464794"/>
+            <a:ext cx="1298753" cy="400110"/>
+          </a:xfrm>
+          <a:prstGeom prst="rect">
+            <a:avLst/>
+          </a:prstGeom>
+          <a:noFill/>
+        </p:spPr>
+        <p:txBody>
+          <a:bodyPr wrap="none" rtlCol="0">
+            <a:spAutoFit/>
+          </a:bodyPr>
+          <a:lstStyle/>
+          <a:p>
+            <a:r>
+              <a:rPr lang="en-US" sz="2000">
+                <a:latin typeface="Segoe UI" panose="020B0502040204020203" pitchFamily="34" charset="0"/>
+                <a:cs typeface="Segoe UI" panose="020B0502040204020203" pitchFamily="34" charset="0"/>
+              </a:rPr>
+              <a:t>Dataflows</a:t>
+            </a:r>
+          </a:p>
+        </p:txBody>
+      </p:sp>
+      <p:sp>
+        <p:nvSpPr>
+          <p:cNvPr id="15" name="Rectangle: Rounded Corners 14">
+            <a:extLst>
+              <a:ext uri="{FF2B5EF4-FFF2-40B4-BE49-F238E27FC236}">
+                <a16:creationId xmlns:a16="http://schemas.microsoft.com/office/drawing/2014/main" id="{DB205E74-1183-4927-BFF5-3E11DBE5292D}"/>
+              </a:ext>
+            </a:extLst>
+          </p:cNvPr>
+          <p:cNvSpPr/>
+          <p:nvPr/>
+        </p:nvSpPr>
+        <p:spPr>
+          <a:xfrm>
+            <a:off x="10666014" y="3622734"/>
+            <a:ext cx="4785652" cy="1329652"/>
+          </a:xfrm>
+          <a:prstGeom prst="roundRect">
+            <a:avLst/>
+          </a:prstGeom>
+          <a:noFill/>
+          <a:ln w="19050">
+            <a:solidFill>
+              <a:srgbClr val="0070C0"/>
+            </a:solidFill>
+            <a:prstDash val="dash"/>
+          </a:ln>
+        </p:spPr>
+        <p:style>
+          <a:lnRef idx="2">
+            <a:schemeClr val="accent1">
+              <a:shade val="50000"/>
+            </a:schemeClr>
+          </a:lnRef>
+          <a:fillRef idx="1">
+            <a:schemeClr val="accent1"/>
+          </a:fillRef>
+          <a:effectRef idx="0">
+            <a:schemeClr val="accent1"/>
+          </a:effectRef>
+          <a:fontRef idx="minor">
+            <a:schemeClr val="lt1"/>
+          </a:fontRef>
+        </p:style>
+        <p:txBody>
+          <a:bodyPr rtlCol="0" anchor="ctr"/>
+          <a:lstStyle/>
+          <a:p>
+            <a:pPr algn="ctr"/>
+            <a:endParaRPr lang="en-US"/>
+          </a:p>
+        </p:txBody>
+      </p:sp>
+      <p:cxnSp>
+        <p:nvCxnSpPr>
+          <p:cNvPr id="56" name="Straight Arrow Connector 55">
+            <a:extLst>
+              <a:ext uri="{FF2B5EF4-FFF2-40B4-BE49-F238E27FC236}">
+                <a16:creationId xmlns:a16="http://schemas.microsoft.com/office/drawing/2014/main" id="{43772219-4C15-4A9D-8BA5-32C208611211}"/>
+              </a:ext>
+            </a:extLst>
+          </p:cNvPr>
+          <p:cNvCxnSpPr>
+            <a:cxnSpLocks/>
+            <a:stCxn id="22" idx="3"/>
+            <a:endCxn id="15" idx="1"/>
+          </p:cNvCxnSpPr>
+          <p:nvPr/>
+        </p:nvCxnSpPr>
+        <p:spPr>
+          <a:xfrm flipV="1">
+            <a:off x="9871152" y="4287560"/>
+            <a:ext cx="794862" cy="9278"/>
+          </a:xfrm>
+          <a:prstGeom prst="straightConnector1">
+            <a:avLst/>
+          </a:prstGeom>
+          <a:ln w="38100">
+            <a:tailEnd type="triangle"/>
+          </a:ln>
+        </p:spPr>
+        <p:style>
+          <a:lnRef idx="1">
+            <a:schemeClr val="accent1"/>
+          </a:lnRef>
+          <a:fillRef idx="0">
+            <a:schemeClr val="accent1"/>
+          </a:fillRef>
+          <a:effectRef idx="0">
+            <a:schemeClr val="accent1"/>
+          </a:effectRef>
+          <a:fontRef idx="minor">
+            <a:schemeClr val="tx1"/>
+          </a:fontRef>
+        </p:style>
+      </p:cxnSp>
+      <p:sp>
+        <p:nvSpPr>
+          <p:cNvPr id="17" name="TextBox 16">
+            <a:extLst>
+              <a:ext uri="{FF2B5EF4-FFF2-40B4-BE49-F238E27FC236}">
+                <a16:creationId xmlns:a16="http://schemas.microsoft.com/office/drawing/2014/main" id="{E7E0EDB2-0CFB-4497-89E1-965F6D9740DB}"/>
+              </a:ext>
+            </a:extLst>
+          </p:cNvPr>
+          <p:cNvSpPr txBox="1"/>
+          <p:nvPr/>
+        </p:nvSpPr>
+        <p:spPr>
+          <a:xfrm>
+            <a:off x="11855382" y="5476703"/>
+            <a:ext cx="2487604" cy="400110"/>
+          </a:xfrm>
+          <a:prstGeom prst="rect">
+            <a:avLst/>
+          </a:prstGeom>
+          <a:noFill/>
+        </p:spPr>
+        <p:txBody>
+          <a:bodyPr wrap="none" rtlCol="0">
+            <a:spAutoFit/>
+          </a:bodyPr>
+          <a:lstStyle/>
+          <a:p>
+            <a:r>
+              <a:rPr lang="en-US" sz="2000">
+                <a:latin typeface="Segoe UI" panose="020B0502040204020203" pitchFamily="34" charset="0"/>
+                <a:cs typeface="Segoe UI" panose="020B0502040204020203" pitchFamily="34" charset="0"/>
+              </a:rPr>
+              <a:t>Report and analytics</a:t>
+            </a:r>
+          </a:p>
+        </p:txBody>
+      </p:sp>
+      <p:pic>
+        <p:nvPicPr>
+          <p:cNvPr id="22" name="Picture 6" descr="Certificate Background 768*768 transprent Png Free Download - Text ...">
+            <a:extLst>
+              <a:ext uri="{FF2B5EF4-FFF2-40B4-BE49-F238E27FC236}">
+                <a16:creationId xmlns:a16="http://schemas.microsoft.com/office/drawing/2014/main" id="{3CC09C66-DDF4-47F8-B865-53BBF5F240DF}"/>
+              </a:ext>
+            </a:extLst>
+          </p:cNvPr>
+          <p:cNvPicPr>
+            <a:picLocks noChangeAspect="1" noChangeArrowheads="1"/>
+          </p:cNvPicPr>
+          <p:nvPr/>
+        </p:nvPicPr>
+        <p:blipFill>
+          <a:blip r:embed="rId12">
+            <a:duotone>
+              <a:schemeClr val="accent1">
+                <a:shade val="45000"/>
+                <a:satMod val="135000"/>
+              </a:schemeClr>
+              <a:prstClr val="white"/>
+            </a:duotone>
+            <a:extLst>
+              <a:ext uri="{BEBA8EAE-BF5A-486C-A8C5-ECC9F3942E4B}">
+                <a14:imgProps xmlns:a14="http://schemas.microsoft.com/office/drawing/2010/main">
+                  <a14:imgLayer r:embed="rId13">
+                    <a14:imgEffect>
+                      <a14:colorTemperature colorTemp="4700"/>
+                    </a14:imgEffect>
+                  </a14:imgLayer>
+                </a14:imgProps>
+              </a:ext>
+              <a:ext uri="{28A0092B-C50C-407E-A947-70E740481C1C}">
+                <a14:useLocalDpi xmlns:a14="http://schemas.microsoft.com/office/drawing/2010/main" val="0"/>
+              </a:ext>
+            </a:extLst>
+          </a:blip>
+          <a:srcRect/>
+          <a:stretch>
+            <a:fillRect/>
+          </a:stretch>
+        </p:blipFill>
+        <p:spPr bwMode="auto">
+          <a:xfrm>
+            <a:off x="9093390" y="3907957"/>
+            <a:ext cx="777762" cy="777762"/>
+          </a:xfrm>
+          <a:prstGeom prst="rect">
+            <a:avLst/>
+          </a:prstGeom>
+          <a:noFill/>
+          <a:extLst>
+            <a:ext uri="{909E8E84-426E-40DD-AFC4-6F175D3DCCD1}">
+              <a14:hiddenFill xmlns:a14="http://schemas.microsoft.com/office/drawing/2010/main">
+                <a:solidFill>
+                  <a:srgbClr val="FFFFFF"/>
+                </a:solidFill>
+              </a14:hiddenFill>
+            </a:ext>
+          </a:extLst>
+        </p:spPr>
+      </p:pic>
+      <p:sp>
+        <p:nvSpPr>
+          <p:cNvPr id="29" name="Rectangle: Diagonal Corners Snipped 28">
+            <a:extLst>
+              <a:ext uri="{FF2B5EF4-FFF2-40B4-BE49-F238E27FC236}">
+                <a16:creationId xmlns:a16="http://schemas.microsoft.com/office/drawing/2014/main" id="{E77CCE8B-A417-4E79-BCEC-2F7E1DF73D7B}"/>
+              </a:ext>
+            </a:extLst>
+          </p:cNvPr>
+          <p:cNvSpPr/>
+          <p:nvPr/>
+        </p:nvSpPr>
+        <p:spPr>
+          <a:xfrm>
+            <a:off x="3254655" y="5453178"/>
+            <a:ext cx="5181466" cy="45719"/>
+          </a:xfrm>
+          <a:prstGeom prst="snip2DiagRect">
+            <a:avLst/>
+          </a:prstGeom>
+        </p:spPr>
+        <p:style>
+          <a:lnRef idx="2">
+            <a:schemeClr val="accent1">
+              <a:shade val="50000"/>
+            </a:schemeClr>
+          </a:lnRef>
+          <a:fillRef idx="1">
+            <a:schemeClr val="accent1"/>
+          </a:fillRef>
+          <a:effectRef idx="0">
+            <a:schemeClr val="accent1"/>
+          </a:effectRef>
+          <a:fontRef idx="minor">
+            <a:schemeClr val="lt1"/>
+          </a:fontRef>
+        </p:style>
+        <p:txBody>
+          <a:bodyPr rtlCol="0" anchor="ctr"/>
+          <a:lstStyle/>
+          <a:p>
+            <a:pPr algn="ctr"/>
+            <a:endParaRPr lang="en-US"/>
+          </a:p>
+        </p:txBody>
+      </p:sp>
+      <p:sp>
+        <p:nvSpPr>
+          <p:cNvPr id="30" name="TextBox 29">
+            <a:extLst>
+              <a:ext uri="{FF2B5EF4-FFF2-40B4-BE49-F238E27FC236}">
+                <a16:creationId xmlns:a16="http://schemas.microsoft.com/office/drawing/2014/main" id="{D3151450-9EA3-4B32-B440-9D58998D4E16}"/>
+              </a:ext>
+            </a:extLst>
+          </p:cNvPr>
+          <p:cNvSpPr txBox="1"/>
+          <p:nvPr/>
+        </p:nvSpPr>
+        <p:spPr>
+          <a:xfrm>
+            <a:off x="8990381" y="4759897"/>
+            <a:ext cx="1040670" cy="400110"/>
+          </a:xfrm>
+          <a:prstGeom prst="rect">
+            <a:avLst/>
+          </a:prstGeom>
+          <a:noFill/>
+        </p:spPr>
+        <p:txBody>
+          <a:bodyPr wrap="none" rtlCol="0">
+            <a:spAutoFit/>
+          </a:bodyPr>
+          <a:lstStyle/>
+          <a:p>
+            <a:r>
+              <a:rPr lang="en-US" sz="2000">
+                <a:latin typeface="Segoe UI" panose="020B0502040204020203" pitchFamily="34" charset="0"/>
+                <a:cs typeface="Segoe UI" panose="020B0502040204020203" pitchFamily="34" charset="0"/>
+              </a:rPr>
+              <a:t>Dataset</a:t>
+            </a:r>
+          </a:p>
+        </p:txBody>
+      </p:sp>
+      <p:sp>
+        <p:nvSpPr>
+          <p:cNvPr id="31" name="TextBox 30">
+            <a:extLst>
+              <a:ext uri="{FF2B5EF4-FFF2-40B4-BE49-F238E27FC236}">
+                <a16:creationId xmlns:a16="http://schemas.microsoft.com/office/drawing/2014/main" id="{E490F117-177B-44CE-9A87-11DB2B42DC71}"/>
+              </a:ext>
+            </a:extLst>
+          </p:cNvPr>
+          <p:cNvSpPr txBox="1"/>
+          <p:nvPr/>
+        </p:nvSpPr>
+        <p:spPr>
+          <a:xfrm>
+            <a:off x="8546680" y="5476703"/>
+            <a:ext cx="2019592" cy="400110"/>
+          </a:xfrm>
+          <a:prstGeom prst="rect">
+            <a:avLst/>
+          </a:prstGeom>
+          <a:noFill/>
+        </p:spPr>
+        <p:txBody>
+          <a:bodyPr wrap="none" rtlCol="0">
+            <a:spAutoFit/>
+          </a:bodyPr>
+          <a:lstStyle/>
+          <a:p>
+            <a:r>
+              <a:rPr lang="en-US" sz="2000">
+                <a:latin typeface="Segoe UI" panose="020B0502040204020203" pitchFamily="34" charset="0"/>
+                <a:cs typeface="Segoe UI" panose="020B0502040204020203" pitchFamily="34" charset="0"/>
+              </a:rPr>
+              <a:t>Power BI service</a:t>
+            </a:r>
+          </a:p>
+        </p:txBody>
+      </p:sp>
+      <p:sp>
+        <p:nvSpPr>
+          <p:cNvPr id="52" name="Rectangle: Diagonal Corners Snipped 51">
+            <a:extLst>
+              <a:ext uri="{FF2B5EF4-FFF2-40B4-BE49-F238E27FC236}">
+                <a16:creationId xmlns:a16="http://schemas.microsoft.com/office/drawing/2014/main" id="{73F8E6AE-6B7B-4FC8-86B9-F9AB591D081F}"/>
+              </a:ext>
+            </a:extLst>
+          </p:cNvPr>
+          <p:cNvSpPr/>
+          <p:nvPr/>
+        </p:nvSpPr>
+        <p:spPr>
+          <a:xfrm>
+            <a:off x="8688161" y="5446224"/>
+            <a:ext cx="1686532" cy="52679"/>
+          </a:xfrm>
+          <a:prstGeom prst="snip2DiagRect">
+            <a:avLst/>
+          </a:prstGeom>
+        </p:spPr>
+        <p:style>
+          <a:lnRef idx="2">
+            <a:schemeClr val="accent1">
+              <a:shade val="50000"/>
+            </a:schemeClr>
+          </a:lnRef>
+          <a:fillRef idx="1">
+            <a:schemeClr val="accent1"/>
+          </a:fillRef>
+          <a:effectRef idx="0">
+            <a:schemeClr val="accent1"/>
+          </a:effectRef>
+          <a:fontRef idx="minor">
+            <a:schemeClr val="lt1"/>
+          </a:fontRef>
+        </p:style>
+        <p:txBody>
+          <a:bodyPr rtlCol="0" anchor="ctr"/>
+          <a:lstStyle/>
+          <a:p>
+            <a:pPr algn="ctr"/>
+            <a:endParaRPr lang="en-US"/>
+          </a:p>
+        </p:txBody>
+      </p:sp>
+      <p:sp>
+        <p:nvSpPr>
+          <p:cNvPr id="54" name="Rectangle: Diagonal Corners Snipped 53">
+            <a:extLst>
+              <a:ext uri="{FF2B5EF4-FFF2-40B4-BE49-F238E27FC236}">
+                <a16:creationId xmlns:a16="http://schemas.microsoft.com/office/drawing/2014/main" id="{F4DB0132-89BD-4E88-B860-9E0B6DB172C4}"/>
+              </a:ext>
+            </a:extLst>
+          </p:cNvPr>
+          <p:cNvSpPr/>
+          <p:nvPr/>
+        </p:nvSpPr>
+        <p:spPr>
+          <a:xfrm>
+            <a:off x="10666015" y="5446224"/>
+            <a:ext cx="4785651" cy="52673"/>
+          </a:xfrm>
+          <a:prstGeom prst="snip2DiagRect">
+            <a:avLst/>
+          </a:prstGeom>
+        </p:spPr>
+        <p:style>
+          <a:lnRef idx="2">
+            <a:schemeClr val="accent1">
+              <a:shade val="50000"/>
+            </a:schemeClr>
+          </a:lnRef>
+          <a:fillRef idx="1">
+            <a:schemeClr val="accent1"/>
+          </a:fillRef>
+          <a:effectRef idx="0">
+            <a:schemeClr val="accent1"/>
+          </a:effectRef>
+          <a:fontRef idx="minor">
+            <a:schemeClr val="lt1"/>
+          </a:fontRef>
+        </p:style>
+        <p:txBody>
+          <a:bodyPr rtlCol="0" anchor="ctr"/>
+          <a:lstStyle/>
+          <a:p>
+            <a:pPr algn="ctr"/>
+            <a:endParaRPr lang="en-US"/>
+          </a:p>
+        </p:txBody>
+      </p:sp>
+    </p:spTree>
+    <p:extLst>
+      <p:ext uri="{BB962C8B-B14F-4D97-AF65-F5344CB8AC3E}">
+        <p14:creationId xmlns:p14="http://schemas.microsoft.com/office/powerpoint/2010/main" val="480152492"/>
+      </p:ext>
+    </p:extLst>
+  </p:cSld>
+  <p:clrMapOvr>
+    <a:masterClrMapping/>
+  </p:clrMapOvr>
+</p:sld>
+</file>
+
 <file path=ppt/theme/theme1.xml><?xml version="1.0" encoding="utf-8"?>
 <a:theme xmlns:a="http://schemas.openxmlformats.org/drawingml/2006/main" name="Office Theme">
   <a:themeElements>
@@ -4672,4 +6560,299 @@
     </a:ext>
   </a:extLst>
 </a:theme>
+</file>
+
+<file path=ppt/theme/theme2.xml><?xml version="1.0" encoding="utf-8"?>
+<a:theme xmlns:a="http://schemas.openxmlformats.org/drawingml/2006/main" name="Office Theme">
+  <a:themeElements>
+    <a:clrScheme name="Office">
+      <a:dk1>
+        <a:sysClr val="windowText" lastClr="000000"/>
+      </a:dk1>
+      <a:lt1>
+        <a:sysClr val="window" lastClr="FFFFFF"/>
+      </a:lt1>
+      <a:dk2>
+        <a:srgbClr val="44546A"/>
+      </a:dk2>
+      <a:lt2>
+        <a:srgbClr val="E7E6E6"/>
+      </a:lt2>
+      <a:accent1>
+        <a:srgbClr val="4472C4"/>
+      </a:accent1>
+      <a:accent2>
+        <a:srgbClr val="ED7D31"/>
+      </a:accent2>
+      <a:accent3>
+        <a:srgbClr val="A5A5A5"/>
+      </a:accent3>
+      <a:accent4>
+        <a:srgbClr val="FFC000"/>
+      </a:accent4>
+      <a:accent5>
+        <a:srgbClr val="5B9BD5"/>
+      </a:accent5>
+      <a:accent6>
+        <a:srgbClr val="70AD47"/>
+      </a:accent6>
+      <a:hlink>
+        <a:srgbClr val="0563C1"/>
+      </a:hlink>
+      <a:folHlink>
+        <a:srgbClr val="954F72"/>
+      </a:folHlink>
+    </a:clrScheme>
+    <a:fontScheme name="Office">
+      <a:majorFont>
+        <a:latin typeface="Calibri Light" panose="020F0302020204030204"/>
+        <a:ea typeface=""/>
+        <a:cs typeface=""/>
+        <a:font script="Jpan" typeface="游ゴシック Light"/>
+        <a:font script="Hang" typeface="맑은 고딕"/>
+        <a:font script="Hans" typeface="等线 Light"/>
+        <a:font script="Hant" typeface="新細明體"/>
+        <a:font script="Arab" typeface="Times New Roman"/>
+        <a:font script="Hebr" typeface="Times New Roman"/>
+        <a:font script="Thai" typeface="Angsana New"/>
+        <a:font script="Ethi" typeface="Nyala"/>
+        <a:font script="Beng" typeface="Vrinda"/>
+        <a:font script="Gujr" typeface="Shruti"/>
+        <a:font script="Khmr" typeface="MoolBoran"/>
+        <a:font script="Knda" typeface="Tunga"/>
+        <a:font script="Guru" typeface="Raavi"/>
+        <a:font script="Cans" typeface="Euphemia"/>
+        <a:font script="Cher" typeface="Plantagenet Cherokee"/>
+        <a:font script="Yiii" typeface="Microsoft Yi Baiti"/>
+        <a:font script="Tibt" typeface="Microsoft Himalaya"/>
+        <a:font script="Thaa" typeface="MV Boli"/>
+        <a:font script="Deva" typeface="Mangal"/>
+        <a:font script="Telu" typeface="Gautami"/>
+        <a:font script="Taml" typeface="Latha"/>
+        <a:font script="Syrc" typeface="Estrangelo Edessa"/>
+        <a:font script="Orya" typeface="Kalinga"/>
+        <a:font script="Mlym" typeface="Kartika"/>
+        <a:font script="Laoo" typeface="DokChampa"/>
+        <a:font script="Sinh" typeface="Iskoola Pota"/>
+        <a:font script="Mong" typeface="Mongolian Baiti"/>
+        <a:font script="Viet" typeface="Times New Roman"/>
+        <a:font script="Uigh" typeface="Microsoft Uighur"/>
+        <a:font script="Geor" typeface="Sylfaen"/>
+        <a:font script="Armn" typeface="Arial"/>
+        <a:font script="Bugi" typeface="Leelawadee UI"/>
+        <a:font script="Bopo" typeface="Microsoft JhengHei"/>
+        <a:font script="Java" typeface="Javanese Text"/>
+        <a:font script="Lisu" typeface="Segoe UI"/>
+        <a:font script="Mymr" typeface="Myanmar Text"/>
+        <a:font script="Nkoo" typeface="Ebrima"/>
+        <a:font script="Olck" typeface="Nirmala UI"/>
+        <a:font script="Osma" typeface="Ebrima"/>
+        <a:font script="Phag" typeface="Phagspa"/>
+        <a:font script="Syrn" typeface="Estrangelo Edessa"/>
+        <a:font script="Syrj" typeface="Estrangelo Edessa"/>
+        <a:font script="Syre" typeface="Estrangelo Edessa"/>
+        <a:font script="Sora" typeface="Nirmala UI"/>
+        <a:font script="Tale" typeface="Microsoft Tai Le"/>
+        <a:font script="Talu" typeface="Microsoft New Tai Lue"/>
+        <a:font script="Tfng" typeface="Ebrima"/>
+      </a:majorFont>
+      <a:minorFont>
+        <a:latin typeface="Calibri" panose="020F0502020204030204"/>
+        <a:ea typeface=""/>
+        <a:cs typeface=""/>
+        <a:font script="Jpan" typeface="游ゴシック"/>
+        <a:font script="Hang" typeface="맑은 고딕"/>
+        <a:font script="Hans" typeface="等线"/>
+        <a:font script="Hant" typeface="新細明體"/>
+        <a:font script="Arab" typeface="Arial"/>
+        <a:font script="Hebr" typeface="Arial"/>
+        <a:font script="Thai" typeface="Cordia New"/>
+        <a:font script="Ethi" typeface="Nyala"/>
+        <a:font script="Beng" typeface="Vrinda"/>
+        <a:font script="Gujr" typeface="Shruti"/>
+        <a:font script="Khmr" typeface="DaunPenh"/>
+        <a:font script="Knda" typeface="Tunga"/>
+        <a:font script="Guru" typeface="Raavi"/>
+        <a:font script="Cans" typeface="Euphemia"/>
+        <a:font script="Cher" typeface="Plantagenet Cherokee"/>
+        <a:font script="Yiii" typeface="Microsoft Yi Baiti"/>
+        <a:font script="Tibt" typeface="Microsoft Himalaya"/>
+        <a:font script="Thaa" typeface="MV Boli"/>
+        <a:font script="Deva" typeface="Mangal"/>
+        <a:font script="Telu" typeface="Gautami"/>
+        <a:font script="Taml" typeface="Latha"/>
+        <a:font script="Syrc" typeface="Estrangelo Edessa"/>
+        <a:font script="Orya" typeface="Kalinga"/>
+        <a:font script="Mlym" typeface="Kartika"/>
+        <a:font script="Laoo" typeface="DokChampa"/>
+        <a:font script="Sinh" typeface="Iskoola Pota"/>
+        <a:font script="Mong" typeface="Mongolian Baiti"/>
+        <a:font script="Viet" typeface="Arial"/>
+        <a:font script="Uigh" typeface="Microsoft Uighur"/>
+        <a:font script="Geor" typeface="Sylfaen"/>
+        <a:font script="Armn" typeface="Arial"/>
+        <a:font script="Bugi" typeface="Leelawadee UI"/>
+        <a:font script="Bopo" typeface="Microsoft JhengHei"/>
+        <a:font script="Java" typeface="Javanese Text"/>
+        <a:font script="Lisu" typeface="Segoe UI"/>
+        <a:font script="Mymr" typeface="Myanmar Text"/>
+        <a:font script="Nkoo" typeface="Ebrima"/>
+        <a:font script="Olck" typeface="Nirmala UI"/>
+        <a:font script="Osma" typeface="Ebrima"/>
+        <a:font script="Phag" typeface="Phagspa"/>
+        <a:font script="Syrn" typeface="Estrangelo Edessa"/>
+        <a:font script="Syrj" typeface="Estrangelo Edessa"/>
+        <a:font script="Syre" typeface="Estrangelo Edessa"/>
+        <a:font script="Sora" typeface="Nirmala UI"/>
+        <a:font script="Tale" typeface="Microsoft Tai Le"/>
+        <a:font script="Talu" typeface="Microsoft New Tai Lue"/>
+        <a:font script="Tfng" typeface="Ebrima"/>
+      </a:minorFont>
+    </a:fontScheme>
+    <a:fmtScheme name="Office">
+      <a:fillStyleLst>
+        <a:solidFill>
+          <a:schemeClr val="phClr"/>
+        </a:solidFill>
+        <a:gradFill rotWithShape="1">
+          <a:gsLst>
+            <a:gs pos="0">
+              <a:schemeClr val="phClr">
+                <a:lumMod val="110000"/>
+                <a:satMod val="105000"/>
+                <a:tint val="67000"/>
+              </a:schemeClr>
+            </a:gs>
+            <a:gs pos="50000">
+              <a:schemeClr val="phClr">
+                <a:lumMod val="105000"/>
+                <a:satMod val="103000"/>
+                <a:tint val="73000"/>
+              </a:schemeClr>
+            </a:gs>
+            <a:gs pos="100000">
+              <a:schemeClr val="phClr">
+                <a:lumMod val="105000"/>
+                <a:satMod val="109000"/>
+                <a:tint val="81000"/>
+              </a:schemeClr>
+            </a:gs>
+          </a:gsLst>
+          <a:lin ang="5400000" scaled="0"/>
+        </a:gradFill>
+        <a:gradFill rotWithShape="1">
+          <a:gsLst>
+            <a:gs pos="0">
+              <a:schemeClr val="phClr">
+                <a:satMod val="103000"/>
+                <a:lumMod val="102000"/>
+                <a:tint val="94000"/>
+              </a:schemeClr>
+            </a:gs>
+            <a:gs pos="50000">
+              <a:schemeClr val="phClr">
+                <a:satMod val="110000"/>
+                <a:lumMod val="100000"/>
+                <a:shade val="100000"/>
+              </a:schemeClr>
+            </a:gs>
+            <a:gs pos="100000">
+              <a:schemeClr val="phClr">
+                <a:lumMod val="99000"/>
+                <a:satMod val="120000"/>
+                <a:shade val="78000"/>
+              </a:schemeClr>
+            </a:gs>
+          </a:gsLst>
+          <a:lin ang="5400000" scaled="0"/>
+        </a:gradFill>
+      </a:fillStyleLst>
+      <a:lnStyleLst>
+        <a:ln w="6350" cap="flat" cmpd="sng" algn="ctr">
+          <a:solidFill>
+            <a:schemeClr val="phClr"/>
+          </a:solidFill>
+          <a:prstDash val="solid"/>
+          <a:miter lim="800000"/>
+        </a:ln>
+        <a:ln w="12700" cap="flat" cmpd="sng" algn="ctr">
+          <a:solidFill>
+            <a:schemeClr val="phClr"/>
+          </a:solidFill>
+          <a:prstDash val="solid"/>
+          <a:miter lim="800000"/>
+        </a:ln>
+        <a:ln w="19050" cap="flat" cmpd="sng" algn="ctr">
+          <a:solidFill>
+            <a:schemeClr val="phClr"/>
+          </a:solidFill>
+          <a:prstDash val="solid"/>
+          <a:miter lim="800000"/>
+        </a:ln>
+      </a:lnStyleLst>
+      <a:effectStyleLst>
+        <a:effectStyle>
+          <a:effectLst/>
+        </a:effectStyle>
+        <a:effectStyle>
+          <a:effectLst/>
+        </a:effectStyle>
+        <a:effectStyle>
+          <a:effectLst>
+            <a:outerShdw blurRad="57150" dist="19050" dir="5400000" algn="ctr" rotWithShape="0">
+              <a:srgbClr val="000000">
+                <a:alpha val="63000"/>
+              </a:srgbClr>
+            </a:outerShdw>
+          </a:effectLst>
+        </a:effectStyle>
+      </a:effectStyleLst>
+      <a:bgFillStyleLst>
+        <a:solidFill>
+          <a:schemeClr val="phClr"/>
+        </a:solidFill>
+        <a:solidFill>
+          <a:schemeClr val="phClr">
+            <a:tint val="95000"/>
+            <a:satMod val="170000"/>
+          </a:schemeClr>
+        </a:solidFill>
+        <a:gradFill rotWithShape="1">
+          <a:gsLst>
+            <a:gs pos="0">
+              <a:schemeClr val="phClr">
+                <a:tint val="93000"/>
+                <a:satMod val="150000"/>
+                <a:shade val="98000"/>
+                <a:lumMod val="102000"/>
+              </a:schemeClr>
+            </a:gs>
+            <a:gs pos="50000">
+              <a:schemeClr val="phClr">
+                <a:tint val="98000"/>
+                <a:satMod val="130000"/>
+                <a:shade val="90000"/>
+                <a:lumMod val="103000"/>
+              </a:schemeClr>
+            </a:gs>
+            <a:gs pos="100000">
+              <a:schemeClr val="phClr">
+                <a:shade val="63000"/>
+                <a:satMod val="120000"/>
+              </a:schemeClr>
+            </a:gs>
+          </a:gsLst>
+          <a:lin ang="5400000" scaled="0"/>
+        </a:gradFill>
+      </a:bgFillStyleLst>
+    </a:fmtScheme>
+  </a:themeElements>
+  <a:objectDefaults/>
+  <a:extraClrSchemeLst/>
+  <a:extLst>
+    <a:ext uri="{05A4C25C-085E-4340-85A3-A5531E510DB2}">
+      <thm15:themeFamily xmlns:thm15="http://schemas.microsoft.com/office/thememl/2012/main" name="Office Theme" id="{62F939B6-93AF-4DB8-9C6B-D6C7DFDC589F}" vid="{4A3C46E8-61CC-4603-A589-7422A47A8E4A}"/>
+    </a:ext>
+  </a:extLst>
+</a:theme>
 </file>